--- a/Lectures/DEPH 312 Lecture 2 Introduction Science and Research.pptx
+++ b/Lectures/DEPH 312 Lecture 2 Introduction Science and Research.pptx
@@ -182,13 +182,156 @@
 <file path=ppt/revisionInfo.xml><?xml version="1.0" encoding="utf-8"?>
 <p1510:revInfo xmlns:a="http://schemas.openxmlformats.org/drawingml/2006/main" xmlns:r="http://schemas.openxmlformats.org/officeDocument/2006/relationships" xmlns:p1510="http://schemas.microsoft.com/office/powerpoint/2015/10/main">
   <p1510:revLst>
-    <p1510:client id="{F1AFC82C-332B-4AA2-9D87-B31F35C10328}" v="265" dt="2022-12-06T06:23:45.839"/>
+    <p1510:client id="{69C8D7FF-6563-4523-808B-0B9BBE5A1A23}" v="7" dt="2023-11-20T16:59:18.979"/>
   </p1510:revLst>
 </p1510:revInfo>
 </file>
 
 <file path=ppt/changesInfos/changesInfo1.xml><?xml version="1.0" encoding="utf-8"?>
 <pc:chgInfo xmlns:a="http://schemas.openxmlformats.org/drawingml/2006/main" xmlns:r="http://schemas.openxmlformats.org/officeDocument/2006/relationships" xmlns:ac="http://schemas.microsoft.com/office/drawing/2013/main/command" xmlns:pc="http://schemas.microsoft.com/office/powerpoint/2013/main/command">
+  <pc:docChgLst>
+    <pc:chgData name="Dr. Talal Saleh Alshihayb" userId="8b043d94-c3bc-4766-b109-9fc93264eb2d" providerId="ADAL" clId="{69C8D7FF-6563-4523-808B-0B9BBE5A1A23}"/>
+    <pc:docChg chg="undo custSel modSld">
+      <pc:chgData name="Dr. Talal Saleh Alshihayb" userId="8b043d94-c3bc-4766-b109-9fc93264eb2d" providerId="ADAL" clId="{69C8D7FF-6563-4523-808B-0B9BBE5A1A23}" dt="2023-11-22T10:49:34.073" v="222" actId="404"/>
+      <pc:docMkLst>
+        <pc:docMk/>
+      </pc:docMkLst>
+      <pc:sldChg chg="modSp mod">
+        <pc:chgData name="Dr. Talal Saleh Alshihayb" userId="8b043d94-c3bc-4766-b109-9fc93264eb2d" providerId="ADAL" clId="{69C8D7FF-6563-4523-808B-0B9BBE5A1A23}" dt="2023-11-20T21:13:34.594" v="211" actId="255"/>
+        <pc:sldMkLst>
+          <pc:docMk/>
+          <pc:sldMk cId="2972349643" sldId="259"/>
+        </pc:sldMkLst>
+        <pc:spChg chg="mod">
+          <ac:chgData name="Dr. Talal Saleh Alshihayb" userId="8b043d94-c3bc-4766-b109-9fc93264eb2d" providerId="ADAL" clId="{69C8D7FF-6563-4523-808B-0B9BBE5A1A23}" dt="2023-11-20T21:13:34.594" v="211" actId="255"/>
+          <ac:spMkLst>
+            <pc:docMk/>
+            <pc:sldMk cId="2972349643" sldId="259"/>
+            <ac:spMk id="3" creationId="{C48EBCF3-9263-43D3-96BA-CF39CC27EE58}"/>
+          </ac:spMkLst>
+        </pc:spChg>
+      </pc:sldChg>
+      <pc:sldChg chg="addSp delSp modSp mod">
+        <pc:chgData name="Dr. Talal Saleh Alshihayb" userId="8b043d94-c3bc-4766-b109-9fc93264eb2d" providerId="ADAL" clId="{69C8D7FF-6563-4523-808B-0B9BBE5A1A23}" dt="2023-11-22T10:49:34.073" v="222" actId="404"/>
+        <pc:sldMkLst>
+          <pc:docMk/>
+          <pc:sldMk cId="1929648928" sldId="455"/>
+        </pc:sldMkLst>
+        <pc:spChg chg="mod">
+          <ac:chgData name="Dr. Talal Saleh Alshihayb" userId="8b043d94-c3bc-4766-b109-9fc93264eb2d" providerId="ADAL" clId="{69C8D7FF-6563-4523-808B-0B9BBE5A1A23}" dt="2023-11-20T16:41:18.946" v="0" actId="207"/>
+          <ac:spMkLst>
+            <pc:docMk/>
+            <pc:sldMk cId="1929648928" sldId="455"/>
+            <ac:spMk id="2" creationId="{8D4D7CA5-E776-45DC-8A6F-61F81BE0ACA9}"/>
+          </ac:spMkLst>
+        </pc:spChg>
+        <pc:spChg chg="add del">
+          <ac:chgData name="Dr. Talal Saleh Alshihayb" userId="8b043d94-c3bc-4766-b109-9fc93264eb2d" providerId="ADAL" clId="{69C8D7FF-6563-4523-808B-0B9BBE5A1A23}" dt="2023-11-20T16:41:53.130" v="5" actId="478"/>
+          <ac:spMkLst>
+            <pc:docMk/>
+            <pc:sldMk cId="1929648928" sldId="455"/>
+            <ac:spMk id="3" creationId="{35C1F8C3-0544-41D9-8002-87D4C6DBA6D6}"/>
+          </ac:spMkLst>
+        </pc:spChg>
+        <pc:spChg chg="add del mod">
+          <ac:chgData name="Dr. Talal Saleh Alshihayb" userId="8b043d94-c3bc-4766-b109-9fc93264eb2d" providerId="ADAL" clId="{69C8D7FF-6563-4523-808B-0B9BBE5A1A23}" dt="2023-11-20T16:41:36.748" v="4" actId="478"/>
+          <ac:spMkLst>
+            <pc:docMk/>
+            <pc:sldMk cId="1929648928" sldId="455"/>
+            <ac:spMk id="7" creationId="{4AC1C472-5B05-AC25-F9C4-A5B664E923DF}"/>
+          </ac:spMkLst>
+        </pc:spChg>
+        <pc:spChg chg="del">
+          <ac:chgData name="Dr. Talal Saleh Alshihayb" userId="8b043d94-c3bc-4766-b109-9fc93264eb2d" providerId="ADAL" clId="{69C8D7FF-6563-4523-808B-0B9BBE5A1A23}" dt="2023-11-20T16:41:53.130" v="5" actId="478"/>
+          <ac:spMkLst>
+            <pc:docMk/>
+            <pc:sldMk cId="1929648928" sldId="455"/>
+            <ac:spMk id="8" creationId="{3020DE8D-E33C-47D7-8C72-0C3093FD020C}"/>
+          </ac:spMkLst>
+        </pc:spChg>
+        <pc:spChg chg="add del mod">
+          <ac:chgData name="Dr. Talal Saleh Alshihayb" userId="8b043d94-c3bc-4766-b109-9fc93264eb2d" providerId="ADAL" clId="{69C8D7FF-6563-4523-808B-0B9BBE5A1A23}" dt="2023-11-20T16:41:33.977" v="3"/>
+          <ac:spMkLst>
+            <pc:docMk/>
+            <pc:sldMk cId="1929648928" sldId="455"/>
+            <ac:spMk id="9" creationId="{7B6294F0-3AA9-7596-B2BA-B9599BD8EACD}"/>
+          </ac:spMkLst>
+        </pc:spChg>
+        <pc:spChg chg="add del mod">
+          <ac:chgData name="Dr. Talal Saleh Alshihayb" userId="8b043d94-c3bc-4766-b109-9fc93264eb2d" providerId="ADAL" clId="{69C8D7FF-6563-4523-808B-0B9BBE5A1A23}" dt="2023-11-20T16:41:33.977" v="3"/>
+          <ac:spMkLst>
+            <pc:docMk/>
+            <pc:sldMk cId="1929648928" sldId="455"/>
+            <ac:spMk id="10" creationId="{35C84314-80F5-FC43-9526-D0097663E9FF}"/>
+          </ac:spMkLst>
+        </pc:spChg>
+        <pc:spChg chg="add del mod">
+          <ac:chgData name="Dr. Talal Saleh Alshihayb" userId="8b043d94-c3bc-4766-b109-9fc93264eb2d" providerId="ADAL" clId="{69C8D7FF-6563-4523-808B-0B9BBE5A1A23}" dt="2023-11-20T16:42:02.773" v="8" actId="478"/>
+          <ac:spMkLst>
+            <pc:docMk/>
+            <pc:sldMk cId="1929648928" sldId="455"/>
+            <ac:spMk id="12" creationId="{E343E519-0BAF-4CA0-8C97-29E74D723180}"/>
+          </ac:spMkLst>
+        </pc:spChg>
+        <pc:spChg chg="add del mod">
+          <ac:chgData name="Dr. Talal Saleh Alshihayb" userId="8b043d94-c3bc-4766-b109-9fc93264eb2d" providerId="ADAL" clId="{69C8D7FF-6563-4523-808B-0B9BBE5A1A23}" dt="2023-11-20T16:42:01.044" v="7"/>
+          <ac:spMkLst>
+            <pc:docMk/>
+            <pc:sldMk cId="1929648928" sldId="455"/>
+            <ac:spMk id="13" creationId="{12444EE8-7430-7B22-0418-AAF840AEB744}"/>
+          </ac:spMkLst>
+        </pc:spChg>
+        <pc:spChg chg="add del mod">
+          <ac:chgData name="Dr. Talal Saleh Alshihayb" userId="8b043d94-c3bc-4766-b109-9fc93264eb2d" providerId="ADAL" clId="{69C8D7FF-6563-4523-808B-0B9BBE5A1A23}" dt="2023-11-20T16:42:01.044" v="7"/>
+          <ac:spMkLst>
+            <pc:docMk/>
+            <pc:sldMk cId="1929648928" sldId="455"/>
+            <ac:spMk id="14" creationId="{BE43AFB8-D481-4232-F2F8-6D15FBEBBEBF}"/>
+          </ac:spMkLst>
+        </pc:spChg>
+        <pc:spChg chg="add del mod">
+          <ac:chgData name="Dr. Talal Saleh Alshihayb" userId="8b043d94-c3bc-4766-b109-9fc93264eb2d" providerId="ADAL" clId="{69C8D7FF-6563-4523-808B-0B9BBE5A1A23}" dt="2023-11-20T16:42:01.044" v="7"/>
+          <ac:spMkLst>
+            <pc:docMk/>
+            <pc:sldMk cId="1929648928" sldId="455"/>
+            <ac:spMk id="15" creationId="{FEAA6FD3-2ABD-C96A-816C-43D452627110}"/>
+          </ac:spMkLst>
+        </pc:spChg>
+        <pc:spChg chg="add mod">
+          <ac:chgData name="Dr. Talal Saleh Alshihayb" userId="8b043d94-c3bc-4766-b109-9fc93264eb2d" providerId="ADAL" clId="{69C8D7FF-6563-4523-808B-0B9BBE5A1A23}" dt="2023-11-22T10:49:34.073" v="222" actId="404"/>
+          <ac:spMkLst>
+            <pc:docMk/>
+            <pc:sldMk cId="1929648928" sldId="455"/>
+            <ac:spMk id="16" creationId="{65487493-1A67-1793-A990-0C71EE1F8A8D}"/>
+          </ac:spMkLst>
+        </pc:spChg>
+        <pc:spChg chg="add mod">
+          <ac:chgData name="Dr. Talal Saleh Alshihayb" userId="8b043d94-c3bc-4766-b109-9fc93264eb2d" providerId="ADAL" clId="{69C8D7FF-6563-4523-808B-0B9BBE5A1A23}" dt="2023-11-20T16:42:03.098" v="9"/>
+          <ac:spMkLst>
+            <pc:docMk/>
+            <pc:sldMk cId="1929648928" sldId="455"/>
+            <ac:spMk id="17" creationId="{9E2EB69D-6F51-8554-6364-F48FDA0CCDC5}"/>
+          </ac:spMkLst>
+        </pc:spChg>
+        <pc:spChg chg="add mod">
+          <ac:chgData name="Dr. Talal Saleh Alshihayb" userId="8b043d94-c3bc-4766-b109-9fc93264eb2d" providerId="ADAL" clId="{69C8D7FF-6563-4523-808B-0B9BBE5A1A23}" dt="2023-11-22T10:49:26.700" v="221" actId="20577"/>
+          <ac:spMkLst>
+            <pc:docMk/>
+            <pc:sldMk cId="1929648928" sldId="455"/>
+            <ac:spMk id="18" creationId="{6361A52D-3039-2592-00F8-4D86D5159F43}"/>
+          </ac:spMkLst>
+        </pc:spChg>
+        <pc:picChg chg="add mod">
+          <ac:chgData name="Dr. Talal Saleh Alshihayb" userId="8b043d94-c3bc-4766-b109-9fc93264eb2d" providerId="ADAL" clId="{69C8D7FF-6563-4523-808B-0B9BBE5A1A23}" dt="2023-11-20T16:42:33.012" v="12"/>
+          <ac:picMkLst>
+            <pc:docMk/>
+            <pc:sldMk cId="1929648928" sldId="455"/>
+            <ac:picMk id="19" creationId="{8DFA1AC7-B1F6-2DC5-142F-D9CCC9451B30}"/>
+          </ac:picMkLst>
+        </pc:picChg>
+      </pc:sldChg>
+    </pc:docChg>
+  </pc:docChgLst>
   <pc:docChgLst>
     <pc:chgData name="Alshihayb, Talal Saleh" userId="7963d262-8874-472d-9935-1faf07e635eb" providerId="ADAL" clId="{9A806DF2-8801-46A9-B35F-13DC894D5560}"/>
     <pc:docChg chg="modSld">
@@ -3299,7 +3442,7 @@
           <a:p>
             <a:fld id="{D8A64274-6D6F-4111-90EA-9C088A392920}" type="datetimeFigureOut">
               <a:rPr lang="en-US" smtClean="0"/>
-              <a:t>12/25/2022</a:t>
+              <a:t>11/22/2023</a:t>
             </a:fld>
             <a:endParaRPr lang="en-US"/>
           </a:p>
@@ -3713,7 +3856,7 @@
           <a:p>
             <a:fld id="{65BC8D64-D1A8-489C-9140-8207B0A78A0A}" type="datetimeFigureOut">
               <a:rPr lang="en-US" smtClean="0"/>
-              <a:t>12/25/2022</a:t>
+              <a:t>11/22/2023</a:t>
             </a:fld>
             <a:endParaRPr lang="en-US"/>
           </a:p>
@@ -3911,7 +4054,7 @@
           <a:p>
             <a:fld id="{65BC8D64-D1A8-489C-9140-8207B0A78A0A}" type="datetimeFigureOut">
               <a:rPr lang="en-US" smtClean="0"/>
-              <a:t>12/25/2022</a:t>
+              <a:t>11/22/2023</a:t>
             </a:fld>
             <a:endParaRPr lang="en-US"/>
           </a:p>
@@ -4119,7 +4262,7 @@
           <a:p>
             <a:fld id="{65BC8D64-D1A8-489C-9140-8207B0A78A0A}" type="datetimeFigureOut">
               <a:rPr lang="en-US" smtClean="0"/>
-              <a:t>12/25/2022</a:t>
+              <a:t>11/22/2023</a:t>
             </a:fld>
             <a:endParaRPr lang="en-US"/>
           </a:p>
@@ -4317,7 +4460,7 @@
           <a:p>
             <a:fld id="{65BC8D64-D1A8-489C-9140-8207B0A78A0A}" type="datetimeFigureOut">
               <a:rPr lang="en-US" smtClean="0"/>
-              <a:t>12/25/2022</a:t>
+              <a:t>11/22/2023</a:t>
             </a:fld>
             <a:endParaRPr lang="en-US"/>
           </a:p>
@@ -4592,7 +4735,7 @@
           <a:p>
             <a:fld id="{65BC8D64-D1A8-489C-9140-8207B0A78A0A}" type="datetimeFigureOut">
               <a:rPr lang="en-US" smtClean="0"/>
-              <a:t>12/25/2022</a:t>
+              <a:t>11/22/2023</a:t>
             </a:fld>
             <a:endParaRPr lang="en-US"/>
           </a:p>
@@ -4857,7 +5000,7 @@
           <a:p>
             <a:fld id="{65BC8D64-D1A8-489C-9140-8207B0A78A0A}" type="datetimeFigureOut">
               <a:rPr lang="en-US" smtClean="0"/>
-              <a:t>12/25/2022</a:t>
+              <a:t>11/22/2023</a:t>
             </a:fld>
             <a:endParaRPr lang="en-US"/>
           </a:p>
@@ -5269,7 +5412,7 @@
           <a:p>
             <a:fld id="{65BC8D64-D1A8-489C-9140-8207B0A78A0A}" type="datetimeFigureOut">
               <a:rPr lang="en-US" smtClean="0"/>
-              <a:t>12/25/2022</a:t>
+              <a:t>11/22/2023</a:t>
             </a:fld>
             <a:endParaRPr lang="en-US"/>
           </a:p>
@@ -5410,7 +5553,7 @@
           <a:p>
             <a:fld id="{65BC8D64-D1A8-489C-9140-8207B0A78A0A}" type="datetimeFigureOut">
               <a:rPr lang="en-US" smtClean="0"/>
-              <a:t>12/25/2022</a:t>
+              <a:t>11/22/2023</a:t>
             </a:fld>
             <a:endParaRPr lang="en-US"/>
           </a:p>
@@ -5523,7 +5666,7 @@
           <a:p>
             <a:fld id="{65BC8D64-D1A8-489C-9140-8207B0A78A0A}" type="datetimeFigureOut">
               <a:rPr lang="en-US" smtClean="0"/>
-              <a:t>12/25/2022</a:t>
+              <a:t>11/22/2023</a:t>
             </a:fld>
             <a:endParaRPr lang="en-US"/>
           </a:p>
@@ -5834,7 +5977,7 @@
           <a:p>
             <a:fld id="{65BC8D64-D1A8-489C-9140-8207B0A78A0A}" type="datetimeFigureOut">
               <a:rPr lang="en-US" smtClean="0"/>
-              <a:t>12/25/2022</a:t>
+              <a:t>11/22/2023</a:t>
             </a:fld>
             <a:endParaRPr lang="en-US"/>
           </a:p>
@@ -6122,7 +6265,7 @@
           <a:p>
             <a:fld id="{65BC8D64-D1A8-489C-9140-8207B0A78A0A}" type="datetimeFigureOut">
               <a:rPr lang="en-US" smtClean="0"/>
-              <a:t>12/25/2022</a:t>
+              <a:t>11/22/2023</a:t>
             </a:fld>
             <a:endParaRPr lang="en-US"/>
           </a:p>
@@ -6363,7 +6506,7 @@
           <a:p>
             <a:fld id="{65BC8D64-D1A8-489C-9140-8207B0A78A0A}" type="datetimeFigureOut">
               <a:rPr lang="en-US" smtClean="0"/>
-              <a:t>12/25/2022</a:t>
+              <a:t>11/22/2023</a:t>
             </a:fld>
             <a:endParaRPr lang="en-US"/>
           </a:p>
@@ -6805,48 +6948,20 @@
           <a:p>
             <a:r>
               <a:rPr lang="en-US" b="1" dirty="0">
+                <a:solidFill>
+                  <a:srgbClr val="D76D6F"/>
+                </a:solidFill>
                 <a:latin typeface="Tw Cen MT" panose="020B0602020104020603" pitchFamily="34" charset="0"/>
               </a:rPr>
               <a:t>Introduction to Science and Research</a:t>
             </a:r>
             <a:endParaRPr lang="en-US" b="1" dirty="0">
+              <a:solidFill>
+                <a:srgbClr val="D76D6F"/>
+              </a:solidFill>
               <a:latin typeface="Tw Cen MT" panose="020B0602020104020603" pitchFamily="34" charset="0"/>
               <a:cs typeface="Times New Roman" panose="02020603050405020304" pitchFamily="18" charset="0"/>
             </a:endParaRPr>
-          </a:p>
-        </p:txBody>
-      </p:sp>
-      <p:sp>
-        <p:nvSpPr>
-          <p:cNvPr id="3" name="Subtitle 2">
-            <a:extLst>
-              <a:ext uri="{FF2B5EF4-FFF2-40B4-BE49-F238E27FC236}">
-                <a16:creationId xmlns:a16="http://schemas.microsoft.com/office/drawing/2014/main" id="{35C1F8C3-0544-41D9-8002-87D4C6DBA6D6}"/>
-              </a:ext>
-            </a:extLst>
-          </p:cNvPr>
-          <p:cNvSpPr>
-            <a:spLocks noGrp="1"/>
-          </p:cNvSpPr>
-          <p:nvPr>
-            <p:ph type="subTitle" idx="1"/>
-          </p:nvPr>
-        </p:nvSpPr>
-        <p:spPr/>
-        <p:txBody>
-          <a:bodyPr/>
-          <a:lstStyle/>
-          <a:p>
-            <a:r>
-              <a:rPr lang="en-US" dirty="0"/>
-              <a:t>Talal Alshihayb </a:t>
-            </a:r>
-          </a:p>
-          <a:p>
-            <a:r>
-              <a:rPr lang="en-US" dirty="0"/>
-              <a:t>6 December 2022</a:t>
-            </a:r>
           </a:p>
         </p:txBody>
       </p:sp>
@@ -7049,41 +7164,6 @@
           </a:p>
         </p:txBody>
       </p:sp>
-      <p:sp>
-        <p:nvSpPr>
-          <p:cNvPr id="8" name="TextBox 7">
-            <a:extLst>
-              <a:ext uri="{FF2B5EF4-FFF2-40B4-BE49-F238E27FC236}">
-                <a16:creationId xmlns:a16="http://schemas.microsoft.com/office/drawing/2014/main" id="{3020DE8D-E33C-47D7-8C72-0C3093FD020C}"/>
-              </a:ext>
-            </a:extLst>
-          </p:cNvPr>
-          <p:cNvSpPr txBox="1"/>
-          <p:nvPr/>
-        </p:nvSpPr>
-        <p:spPr>
-          <a:xfrm>
-            <a:off x="4848626" y="5417585"/>
-            <a:ext cx="2635623" cy="369332"/>
-          </a:xfrm>
-          <a:prstGeom prst="rect">
-            <a:avLst/>
-          </a:prstGeom>
-          <a:noFill/>
-        </p:spPr>
-        <p:txBody>
-          <a:bodyPr wrap="square" rtlCol="0">
-            <a:spAutoFit/>
-          </a:bodyPr>
-          <a:lstStyle/>
-          <a:p>
-            <a:r>
-              <a:rPr lang="en-US" u="sng" dirty="0"/>
-              <a:t>shihaybt@ksau-hs.edu.sa</a:t>
-            </a:r>
-          </a:p>
-        </p:txBody>
-      </p:sp>
       <p:pic>
         <p:nvPicPr>
           <p:cNvPr id="6" name="Picture 5" descr="A picture containing text, sign, room, gambling house&#10;&#10;Description automatically generated">
@@ -7118,6 +7198,254 @@
           <a:prstGeom prst="rect">
             <a:avLst/>
           </a:prstGeom>
+        </p:spPr>
+      </p:pic>
+      <p:sp>
+        <p:nvSpPr>
+          <p:cNvPr id="16" name="Subtitle 2">
+            <a:extLst>
+              <a:ext uri="{FF2B5EF4-FFF2-40B4-BE49-F238E27FC236}">
+                <a16:creationId xmlns:a16="http://schemas.microsoft.com/office/drawing/2014/main" id="{65487493-1A67-1793-A990-0C71EE1F8A8D}"/>
+              </a:ext>
+            </a:extLst>
+          </p:cNvPr>
+          <p:cNvSpPr>
+            <a:spLocks noGrp="1"/>
+          </p:cNvSpPr>
+          <p:nvPr>
+            <p:ph type="subTitle" idx="1"/>
+          </p:nvPr>
+        </p:nvSpPr>
+        <p:spPr>
+          <a:xfrm>
+            <a:off x="343759" y="3602037"/>
+            <a:ext cx="11742821" cy="2184879"/>
+          </a:xfrm>
+        </p:spPr>
+        <p:txBody>
+          <a:bodyPr>
+            <a:normAutofit/>
+          </a:bodyPr>
+          <a:lstStyle/>
+          <a:p>
+            <a:pPr algn="ctr">
+              <a:lnSpc>
+                <a:spcPct val="100000"/>
+              </a:lnSpc>
+              <a:spcBef>
+                <a:spcPts val="0"/>
+              </a:spcBef>
+            </a:pPr>
+            <a:r>
+              <a:rPr lang="en-US" sz="2200" b="1" i="1" dirty="0"/>
+              <a:t>Talal Alshihayb</a:t>
+            </a:r>
+            <a:r>
+              <a:rPr lang="en-US" sz="2200" dirty="0"/>
+              <a:t> </a:t>
+            </a:r>
+            <a:r>
+              <a:rPr lang="en-US" sz="2200" baseline="30000" dirty="0"/>
+              <a:t>BDS, </a:t>
+            </a:r>
+            <a:r>
+              <a:rPr lang="en-US" sz="2200" baseline="30000" dirty="0" err="1"/>
+              <a:t>DScD</a:t>
+            </a:r>
+            <a:endParaRPr lang="en-US" sz="2200" baseline="30000" dirty="0"/>
+          </a:p>
+          <a:p>
+            <a:pPr algn="ctr">
+              <a:lnSpc>
+                <a:spcPct val="100000"/>
+              </a:lnSpc>
+              <a:spcBef>
+                <a:spcPts val="0"/>
+              </a:spcBef>
+            </a:pPr>
+            <a:r>
+              <a:rPr lang="en-US" sz="1900" dirty="0"/>
+              <a:t>Diplomate, American Board of Dental Public Health</a:t>
+            </a:r>
+          </a:p>
+          <a:p>
+            <a:pPr algn="ctr">
+              <a:lnSpc>
+                <a:spcPct val="100000"/>
+              </a:lnSpc>
+              <a:spcBef>
+                <a:spcPts val="0"/>
+              </a:spcBef>
+            </a:pPr>
+            <a:r>
+              <a:rPr lang="en-US" sz="1900" dirty="0"/>
+              <a:t>Assistant Professor</a:t>
+            </a:r>
+          </a:p>
+          <a:p>
+            <a:pPr algn="ctr">
+              <a:lnSpc>
+                <a:spcPct val="100000"/>
+              </a:lnSpc>
+              <a:spcBef>
+                <a:spcPts val="0"/>
+              </a:spcBef>
+            </a:pPr>
+            <a:r>
+              <a:rPr lang="en-US" sz="1800" dirty="0"/>
+              <a:t>Department of Preventive Dental Science, College of Dentistry, King Saud bin Abdulaziz University for Health Sciences</a:t>
+            </a:r>
+          </a:p>
+          <a:p>
+            <a:pPr algn="ctr">
+              <a:lnSpc>
+                <a:spcPct val="100000"/>
+              </a:lnSpc>
+              <a:spcBef>
+                <a:spcPts val="0"/>
+              </a:spcBef>
+            </a:pPr>
+            <a:r>
+              <a:rPr lang="en-US" sz="1800" dirty="0"/>
+              <a:t>Department of Health Policy and Health Services Research, Henry M. Goldman School of Dental Medicine, Boston University</a:t>
+            </a:r>
+          </a:p>
+          <a:p>
+            <a:endParaRPr lang="en-US" dirty="0"/>
+          </a:p>
+        </p:txBody>
+      </p:sp>
+      <p:sp>
+        <p:nvSpPr>
+          <p:cNvPr id="17" name="TextBox 16">
+            <a:extLst>
+              <a:ext uri="{FF2B5EF4-FFF2-40B4-BE49-F238E27FC236}">
+                <a16:creationId xmlns:a16="http://schemas.microsoft.com/office/drawing/2014/main" id="{9E2EB69D-6F51-8554-6364-F48FDA0CCDC5}"/>
+              </a:ext>
+            </a:extLst>
+          </p:cNvPr>
+          <p:cNvSpPr txBox="1"/>
+          <p:nvPr/>
+        </p:nvSpPr>
+        <p:spPr>
+          <a:xfrm>
+            <a:off x="4848626" y="5985162"/>
+            <a:ext cx="2635623" cy="369332"/>
+          </a:xfrm>
+          <a:prstGeom prst="rect">
+            <a:avLst/>
+          </a:prstGeom>
+          <a:noFill/>
+        </p:spPr>
+        <p:txBody>
+          <a:bodyPr wrap="square" rtlCol="0">
+            <a:spAutoFit/>
+          </a:bodyPr>
+          <a:lstStyle/>
+          <a:p>
+            <a:r>
+              <a:rPr lang="en-US" u="sng" dirty="0"/>
+              <a:t>shihaybt@ksau-hs.edu.sa</a:t>
+            </a:r>
+          </a:p>
+        </p:txBody>
+      </p:sp>
+      <p:sp>
+        <p:nvSpPr>
+          <p:cNvPr id="18" name="TextBox 17">
+            <a:extLst>
+              <a:ext uri="{FF2B5EF4-FFF2-40B4-BE49-F238E27FC236}">
+                <a16:creationId xmlns:a16="http://schemas.microsoft.com/office/drawing/2014/main" id="{6361A52D-3039-2592-00F8-4D86D5159F43}"/>
+              </a:ext>
+            </a:extLst>
+          </p:cNvPr>
+          <p:cNvSpPr txBox="1"/>
+          <p:nvPr/>
+        </p:nvSpPr>
+        <p:spPr>
+          <a:xfrm>
+            <a:off x="5001542" y="5575705"/>
+            <a:ext cx="2188916" cy="369332"/>
+          </a:xfrm>
+          <a:prstGeom prst="rect">
+            <a:avLst/>
+          </a:prstGeom>
+          <a:noFill/>
+        </p:spPr>
+        <p:txBody>
+          <a:bodyPr wrap="square">
+            <a:spAutoFit/>
+          </a:bodyPr>
+          <a:lstStyle/>
+          <a:p>
+            <a:pPr algn="ctr">
+              <a:lnSpc>
+                <a:spcPct val="100000"/>
+              </a:lnSpc>
+              <a:spcBef>
+                <a:spcPts val="0"/>
+              </a:spcBef>
+            </a:pPr>
+            <a:r>
+              <a:rPr lang="en-US" sz="1800" b="1" dirty="0"/>
+              <a:t>November </a:t>
+            </a:r>
+            <a:r>
+              <a:rPr lang="en-US" b="1" dirty="0"/>
+              <a:t>30</a:t>
+            </a:r>
+            <a:r>
+              <a:rPr lang="en-US" sz="1800" b="1" dirty="0"/>
+              <a:t>, 2023</a:t>
+            </a:r>
+          </a:p>
+        </p:txBody>
+      </p:sp>
+      <p:pic>
+        <p:nvPicPr>
+          <p:cNvPr id="19" name="Picture 2" descr="C:\Documents and Settings\ahourani\Desktop\GSDM_2.jpg">
+            <a:extLst>
+              <a:ext uri="{FF2B5EF4-FFF2-40B4-BE49-F238E27FC236}">
+                <a16:creationId xmlns:a16="http://schemas.microsoft.com/office/drawing/2014/main" id="{8DFA1AC7-B1F6-2DC5-142F-D9CCC9451B30}"/>
+              </a:ext>
+            </a:extLst>
+          </p:cNvPr>
+          <p:cNvPicPr>
+            <a:picLocks noChangeAspect="1" noChangeArrowheads="1"/>
+          </p:cNvPicPr>
+          <p:nvPr/>
+        </p:nvPicPr>
+        <p:blipFill>
+          <a:blip r:embed="rId3" cstate="print">
+            <a:extLst>
+              <a:ext uri="{28A0092B-C50C-407E-A947-70E740481C1C}">
+                <a14:useLocalDpi xmlns:a14="http://schemas.microsoft.com/office/drawing/2010/main" val="0"/>
+              </a:ext>
+            </a:extLst>
+          </a:blip>
+          <a:srcRect/>
+          <a:stretch>
+            <a:fillRect/>
+          </a:stretch>
+        </p:blipFill>
+        <p:spPr bwMode="auto">
+          <a:xfrm>
+            <a:off x="9890760" y="40687"/>
+            <a:ext cx="1554480" cy="601448"/>
+          </a:xfrm>
+          <a:prstGeom prst="rect">
+            <a:avLst/>
+          </a:prstGeom>
+          <a:noFill/>
+          <a:extLst>
+            <a:ext uri="{909E8E84-426E-40DD-AFC4-6F175D3DCCD1}">
+              <a14:hiddenFill xmlns:a14="http://schemas.microsoft.com/office/drawing/2010/main">
+                <a:solidFill>
+                  <a:srgbClr val="FFFFFF"/>
+                </a:solidFill>
+              </a14:hiddenFill>
+            </a:ext>
+          </a:extLst>
         </p:spPr>
       </p:pic>
     </p:spTree>
@@ -10695,12 +11023,123 @@
                 <a:ea typeface="MS Mincho" panose="02020609040205080304" pitchFamily="49" charset="-128"/>
                 <a:cs typeface="Times New Roman" panose="02020603050405020304" pitchFamily="18" charset="0"/>
               </a:rPr>
-              <a:t>: Handout.</a:t>
-            </a:r>
-            <a:endParaRPr lang="en-US" sz="2000" dirty="0">
+              <a:t>:</a:t>
+            </a:r>
+          </a:p>
+          <a:p>
+            <a:pPr marL="0" marR="0">
+              <a:spcBef>
+                <a:spcPts val="0"/>
+              </a:spcBef>
+              <a:spcAft>
+                <a:spcPts val="0"/>
+              </a:spcAft>
+              <a:buSzPct val="60000"/>
+            </a:pPr>
+            <a:r>
+              <a:rPr lang="en-US" sz="2400" dirty="0">
+                <a:effectLst/>
+                <a:ea typeface="MS Mincho" panose="02020609040205080304" pitchFamily="49" charset="-128"/>
+                <a:cs typeface="Times New Roman" panose="02020603050405020304" pitchFamily="18" charset="0"/>
+              </a:rPr>
+              <a:t>P. 29-32 of </a:t>
+            </a:r>
+            <a:r>
+              <a:rPr lang="en-US" sz="2400" dirty="0">
+                <a:ea typeface="MS Mincho" panose="02020609040205080304" pitchFamily="49" charset="-128"/>
+                <a:cs typeface="Times New Roman" panose="02020603050405020304" pitchFamily="18" charset="0"/>
+              </a:rPr>
+              <a:t>chapter 3 in Epidemiology an Introduction by Kenneth Rothman</a:t>
+            </a:r>
+            <a:endParaRPr lang="en-US" sz="2400" dirty="0">
               <a:effectLst/>
-              <a:ea typeface="Times New Roman" panose="02020603050405020304" pitchFamily="18" charset="0"/>
+              <a:ea typeface="MS Mincho" panose="02020609040205080304" pitchFamily="49" charset="-128"/>
+              <a:cs typeface="Times New Roman" panose="02020603050405020304" pitchFamily="18" charset="0"/>
             </a:endParaRPr>
+          </a:p>
+          <a:p>
+            <a:pPr>
+              <a:spcBef>
+                <a:spcPts val="0"/>
+              </a:spcBef>
+              <a:buSzPct val="60000"/>
+            </a:pPr>
+            <a:r>
+              <a:rPr lang="en-US" sz="2400" dirty="0"/>
+              <a:t>Chapter 1 in </a:t>
+            </a:r>
+            <a:r>
+              <a:rPr lang="en-US" sz="2400" b="0" i="0" dirty="0" err="1">
+                <a:solidFill>
+                  <a:srgbClr val="222222"/>
+                </a:solidFill>
+                <a:effectLst/>
+              </a:rPr>
+              <a:t>McElreath</a:t>
+            </a:r>
+            <a:r>
+              <a:rPr lang="en-US" sz="2400" b="0" i="0" dirty="0">
+                <a:solidFill>
+                  <a:srgbClr val="222222"/>
+                </a:solidFill>
+                <a:effectLst/>
+              </a:rPr>
+              <a:t> R. Statistical rethinking: A Bayesian course with examples in R and Stan. CRC press; 2020 Mar 13</a:t>
+            </a:r>
+            <a:endParaRPr lang="en-US" sz="2400" dirty="0"/>
+          </a:p>
+          <a:p>
+            <a:pPr>
+              <a:spcBef>
+                <a:spcPts val="0"/>
+              </a:spcBef>
+              <a:buSzPct val="60000"/>
+            </a:pPr>
+            <a:r>
+              <a:rPr lang="en-US" sz="2400" dirty="0"/>
+              <a:t>Chapters 1 and 2 in The effect: An Introduction to Research Design and Causality by Nick Huntington-Klein  </a:t>
+            </a:r>
+            <a:r>
+              <a:rPr lang="en-US" sz="2400" dirty="0">
+                <a:hlinkClick r:id="rId2"/>
+              </a:rPr>
+              <a:t>https://theeffectbook.net/</a:t>
+            </a:r>
+            <a:r>
+              <a:rPr lang="en-US" sz="2400" dirty="0"/>
+              <a:t> </a:t>
+            </a:r>
+          </a:p>
+          <a:p>
+            <a:pPr>
+              <a:spcBef>
+                <a:spcPts val="0"/>
+              </a:spcBef>
+              <a:buSzPct val="60000"/>
+            </a:pPr>
+            <a:r>
+              <a:rPr lang="en-US" sz="2400" dirty="0"/>
+              <a:t>Chapter 2 in </a:t>
+            </a:r>
+            <a:r>
+              <a:rPr lang="en-US" sz="2400" b="0" i="0" dirty="0" err="1">
+                <a:solidFill>
+                  <a:srgbClr val="222222"/>
+                </a:solidFill>
+                <a:effectLst/>
+              </a:rPr>
+              <a:t>Aday</a:t>
+            </a:r>
+            <a:r>
+              <a:rPr lang="en-US" sz="2400" b="0" i="0" dirty="0">
+                <a:solidFill>
+                  <a:srgbClr val="222222"/>
+                </a:solidFill>
+                <a:effectLst/>
+              </a:rPr>
+              <a:t> LA, Cornelius LJ. Designing and conducting health surveys: a comprehensive guide. John Wiley &amp; Sons; 2006 Apr 14</a:t>
+            </a:r>
+            <a:endParaRPr lang="en-US" sz="2400" dirty="0"/>
           </a:p>
           <a:p>
             <a:pPr marL="0" marR="0" indent="0">
@@ -10960,7 +11399,7 @@
                 <a:ea typeface="Symbol" panose="05050102010706020507" pitchFamily="18" charset="2"/>
                 <a:cs typeface="Times New Roman" panose="02020603050405020304" pitchFamily="18" charset="0"/>
               </a:rPr>
-              <a:t>Outline the different hypothesis.</a:t>
+              <a:t>Outline the different hypotheses.</a:t>
             </a:r>
             <a:endParaRPr lang="en-US" sz="2400" dirty="0">
               <a:effectLst/>
@@ -10985,7 +11424,7 @@
           <p:nvPr/>
         </p:nvPicPr>
         <p:blipFill>
-          <a:blip r:embed="rId2" cstate="print">
+          <a:blip r:embed="rId3" cstate="print">
             <a:extLst>
               <a:ext uri="{28A0092B-C50C-407E-A947-70E740481C1C}">
                 <a14:useLocalDpi xmlns:a14="http://schemas.microsoft.com/office/drawing/2010/main" val="0"/>
